--- a/PPT_ELEKTRO_ITK_2021.pptx
+++ b/PPT_ELEKTRO_ITK_2021.pptx
@@ -109,6 +109,11 @@
       </a:defRPr>
     </a:lvl9pPr>
   </p:defaultTextStyle>
+  <p:extLst>
+    <p:ext uri="{EFAFB233-063F-42B5-8137-9DF3F51BA10A}">
+      <p15:sldGuideLst xmlns:p15="http://schemas.microsoft.com/office/powerpoint/2012/main"/>
+    </p:ext>
+  </p:extLst>
 </p:presentation>
 </file>
 
@@ -117,7 +122,7 @@
   <pc:docChgLst>
     <pc:chgData name="Mifta Nur Farid" userId="09c4264491c822bb" providerId="LiveId" clId="{AC642BC2-7E16-4302-AEB3-6795E50A3576}"/>
     <pc:docChg chg="undo custSel addSld delSld modSld sldOrd modMainMaster">
-      <pc:chgData name="Mifta Nur Farid" userId="09c4264491c822bb" providerId="LiveId" clId="{AC642BC2-7E16-4302-AEB3-6795E50A3576}" dt="2021-08-12T13:44:30.425" v="487" actId="47"/>
+      <pc:chgData name="Mifta Nur Farid" userId="09c4264491c822bb" providerId="LiveId" clId="{AC642BC2-7E16-4302-AEB3-6795E50A3576}" dt="2021-08-12T13:47:40.647" v="489" actId="1076"/>
       <pc:docMkLst>
         <pc:docMk/>
       </pc:docMkLst>
@@ -781,13 +786,13 @@
         </pc:spChg>
       </pc:sldChg>
       <pc:sldMasterChg chg="addSldLayout delSldLayout modSldLayout">
-        <pc:chgData name="Mifta Nur Farid" userId="09c4264491c822bb" providerId="LiveId" clId="{AC642BC2-7E16-4302-AEB3-6795E50A3576}" dt="2021-08-12T13:43:02.127" v="454"/>
+        <pc:chgData name="Mifta Nur Farid" userId="09c4264491c822bb" providerId="LiveId" clId="{AC642BC2-7E16-4302-AEB3-6795E50A3576}" dt="2021-08-12T13:47:40.647" v="489" actId="1076"/>
         <pc:sldMasterMkLst>
           <pc:docMk/>
           <pc:sldMasterMk cId="2797237795" sldId="2147483648"/>
         </pc:sldMasterMkLst>
         <pc:sldLayoutChg chg="addSp delSp modSp mod delAnim modAnim">
-          <pc:chgData name="Mifta Nur Farid" userId="09c4264491c822bb" providerId="LiveId" clId="{AC642BC2-7E16-4302-AEB3-6795E50A3576}" dt="2021-08-12T13:43:02.127" v="454"/>
+          <pc:chgData name="Mifta Nur Farid" userId="09c4264491c822bb" providerId="LiveId" clId="{AC642BC2-7E16-4302-AEB3-6795E50A3576}" dt="2021-08-12T13:47:40.647" v="489" actId="1076"/>
           <pc:sldLayoutMkLst>
             <pc:docMk/>
             <pc:sldMasterMk cId="2797237795" sldId="2147483648"/>
@@ -902,7 +907,7 @@
             </ac:picMkLst>
           </pc:picChg>
           <pc:picChg chg="add mod">
-            <ac:chgData name="Mifta Nur Farid" userId="09c4264491c822bb" providerId="LiveId" clId="{AC642BC2-7E16-4302-AEB3-6795E50A3576}" dt="2021-08-12T13:43:02.127" v="454"/>
+            <ac:chgData name="Mifta Nur Farid" userId="09c4264491c822bb" providerId="LiveId" clId="{AC642BC2-7E16-4302-AEB3-6795E50A3576}" dt="2021-08-12T13:47:40.647" v="489" actId="1076"/>
             <ac:picMkLst>
               <pc:docMk/>
               <pc:sldMasterMk cId="2797237795" sldId="2147483648"/>
@@ -3592,7 +3597,7 @@
         </p:blipFill>
         <p:spPr>
           <a:xfrm>
-            <a:off x="2216994" y="330220"/>
+            <a:off x="2162667" y="297675"/>
             <a:ext cx="940718" cy="796925"/>
           </a:xfrm>
           <a:prstGeom prst="rect">
